--- a/Domain_model/DomainModel_통일화.pptx
+++ b/Domain_model/DomainModel_통일화.pptx
@@ -252,7 +252,7 @@
           <a:p>
             <a:fld id="{33AE0126-7C1A-4414-A1C0-AF308BA40797}" type="datetimeFigureOut">
               <a:rPr lang="ko-KR" altLang="en-US" smtClean="0"/>
-              <a:t>2021-05-24</a:t>
+              <a:t>2021-05-31</a:t>
             </a:fld>
             <a:endParaRPr lang="ko-KR" altLang="en-US"/>
           </a:p>
@@ -422,7 +422,7 @@
           <a:p>
             <a:fld id="{33AE0126-7C1A-4414-A1C0-AF308BA40797}" type="datetimeFigureOut">
               <a:rPr lang="ko-KR" altLang="en-US" smtClean="0"/>
-              <a:t>2021-05-24</a:t>
+              <a:t>2021-05-31</a:t>
             </a:fld>
             <a:endParaRPr lang="ko-KR" altLang="en-US"/>
           </a:p>
@@ -602,7 +602,7 @@
           <a:p>
             <a:fld id="{33AE0126-7C1A-4414-A1C0-AF308BA40797}" type="datetimeFigureOut">
               <a:rPr lang="ko-KR" altLang="en-US" smtClean="0"/>
-              <a:t>2021-05-24</a:t>
+              <a:t>2021-05-31</a:t>
             </a:fld>
             <a:endParaRPr lang="ko-KR" altLang="en-US"/>
           </a:p>
@@ -772,7 +772,7 @@
           <a:p>
             <a:fld id="{33AE0126-7C1A-4414-A1C0-AF308BA40797}" type="datetimeFigureOut">
               <a:rPr lang="ko-KR" altLang="en-US" smtClean="0"/>
-              <a:t>2021-05-24</a:t>
+              <a:t>2021-05-31</a:t>
             </a:fld>
             <a:endParaRPr lang="ko-KR" altLang="en-US"/>
           </a:p>
@@ -1018,7 +1018,7 @@
           <a:p>
             <a:fld id="{33AE0126-7C1A-4414-A1C0-AF308BA40797}" type="datetimeFigureOut">
               <a:rPr lang="ko-KR" altLang="en-US" smtClean="0"/>
-              <a:t>2021-05-24</a:t>
+              <a:t>2021-05-31</a:t>
             </a:fld>
             <a:endParaRPr lang="ko-KR" altLang="en-US"/>
           </a:p>
@@ -1250,7 +1250,7 @@
           <a:p>
             <a:fld id="{33AE0126-7C1A-4414-A1C0-AF308BA40797}" type="datetimeFigureOut">
               <a:rPr lang="ko-KR" altLang="en-US" smtClean="0"/>
-              <a:t>2021-05-24</a:t>
+              <a:t>2021-05-31</a:t>
             </a:fld>
             <a:endParaRPr lang="ko-KR" altLang="en-US"/>
           </a:p>
@@ -1617,7 +1617,7 @@
           <a:p>
             <a:fld id="{33AE0126-7C1A-4414-A1C0-AF308BA40797}" type="datetimeFigureOut">
               <a:rPr lang="ko-KR" altLang="en-US" smtClean="0"/>
-              <a:t>2021-05-24</a:t>
+              <a:t>2021-05-31</a:t>
             </a:fld>
             <a:endParaRPr lang="ko-KR" altLang="en-US"/>
           </a:p>
@@ -1735,7 +1735,7 @@
           <a:p>
             <a:fld id="{33AE0126-7C1A-4414-A1C0-AF308BA40797}" type="datetimeFigureOut">
               <a:rPr lang="ko-KR" altLang="en-US" smtClean="0"/>
-              <a:t>2021-05-24</a:t>
+              <a:t>2021-05-31</a:t>
             </a:fld>
             <a:endParaRPr lang="ko-KR" altLang="en-US"/>
           </a:p>
@@ -1830,7 +1830,7 @@
           <a:p>
             <a:fld id="{33AE0126-7C1A-4414-A1C0-AF308BA40797}" type="datetimeFigureOut">
               <a:rPr lang="ko-KR" altLang="en-US" smtClean="0"/>
-              <a:t>2021-05-24</a:t>
+              <a:t>2021-05-31</a:t>
             </a:fld>
             <a:endParaRPr lang="ko-KR" altLang="en-US"/>
           </a:p>
@@ -2107,7 +2107,7 @@
           <a:p>
             <a:fld id="{33AE0126-7C1A-4414-A1C0-AF308BA40797}" type="datetimeFigureOut">
               <a:rPr lang="ko-KR" altLang="en-US" smtClean="0"/>
-              <a:t>2021-05-24</a:t>
+              <a:t>2021-05-31</a:t>
             </a:fld>
             <a:endParaRPr lang="ko-KR" altLang="en-US"/>
           </a:p>
@@ -2360,7 +2360,7 @@
           <a:p>
             <a:fld id="{33AE0126-7C1A-4414-A1C0-AF308BA40797}" type="datetimeFigureOut">
               <a:rPr lang="ko-KR" altLang="en-US" smtClean="0"/>
-              <a:t>2021-05-24</a:t>
+              <a:t>2021-05-31</a:t>
             </a:fld>
             <a:endParaRPr lang="ko-KR" altLang="en-US"/>
           </a:p>
@@ -2573,7 +2573,7 @@
           <a:p>
             <a:fld id="{33AE0126-7C1A-4414-A1C0-AF308BA40797}" type="datetimeFigureOut">
               <a:rPr lang="ko-KR" altLang="en-US" smtClean="0"/>
-              <a:t>2021-05-24</a:t>
+              <a:t>2021-05-31</a:t>
             </a:fld>
             <a:endParaRPr lang="ko-KR" altLang="en-US"/>
           </a:p>
@@ -2986,8 +2986,8 @@
         </p:nvGrpSpPr>
         <p:grpSpPr>
           <a:xfrm>
-            <a:off x="891871" y="2330160"/>
-            <a:ext cx="1857955" cy="997109"/>
+            <a:off x="868922" y="2532465"/>
+            <a:ext cx="1861996" cy="994077"/>
             <a:chOff x="874644" y="2480807"/>
             <a:chExt cx="2035533" cy="1009816"/>
           </a:xfrm>
@@ -3044,21 +3044,21 @@
             </a:p>
             <a:p>
               <a:pPr algn="ctr"/>
-              <a:endParaRPr lang="en-US" altLang="ko-KR" sz="900" dirty="0" smtClean="0">
-                <a:solidFill>
-                  <a:schemeClr val="tx1"/>
-                </a:solidFill>
-              </a:endParaRPr>
-            </a:p>
-            <a:p>
-              <a:pPr algn="ctr"/>
               <a:r>
                 <a:rPr lang="ko-KR" altLang="en-US" sz="900" b="1" dirty="0" smtClean="0">
                   <a:solidFill>
                     <a:schemeClr val="tx1"/>
                   </a:solidFill>
                 </a:rPr>
-                <a:t>음식점 고유번호</a:t>
+                <a:t>음식점 </a:t>
+              </a:r>
+              <a:r>
+                <a:rPr lang="ko-KR" altLang="en-US" sz="900" b="1" dirty="0" smtClean="0">
+                  <a:solidFill>
+                    <a:schemeClr val="tx1"/>
+                  </a:solidFill>
+                </a:rPr>
+                <a:t>고유번호</a:t>
               </a:r>
               <a:endParaRPr lang="en-US" altLang="ko-KR" sz="900" b="1" dirty="0">
                 <a:solidFill>
@@ -3148,8 +3148,8 @@
         </p:nvGrpSpPr>
         <p:grpSpPr>
           <a:xfrm>
-            <a:off x="4499115" y="2480806"/>
-            <a:ext cx="1857955" cy="911047"/>
+            <a:off x="4484014" y="2682654"/>
+            <a:ext cx="1861996" cy="908278"/>
             <a:chOff x="874644" y="2480806"/>
             <a:chExt cx="2035533" cy="1009817"/>
           </a:xfrm>
@@ -3236,7 +3236,15 @@
                     <a:schemeClr val="tx1"/>
                   </a:solidFill>
                 </a:rPr>
-                <a:t>검색 조건</a:t>
+                <a:t>검색 </a:t>
+              </a:r>
+              <a:r>
+                <a:rPr lang="ko-KR" altLang="en-US" sz="1000" b="1" dirty="0" smtClean="0">
+                  <a:solidFill>
+                    <a:schemeClr val="tx1"/>
+                  </a:solidFill>
+                </a:rPr>
+                <a:t>조건</a:t>
               </a:r>
               <a:endParaRPr lang="ko-KR" altLang="en-US" sz="1000" b="1" dirty="0">
                 <a:solidFill>
@@ -3326,8 +3334,8 @@
         </p:nvSpPr>
         <p:spPr>
           <a:xfrm>
-            <a:off x="4499114" y="621528"/>
-            <a:ext cx="1857955" cy="781880"/>
+            <a:off x="4484013" y="829028"/>
+            <a:ext cx="1861996" cy="779503"/>
           </a:xfrm>
           <a:prstGeom prst="rect">
             <a:avLst/>
@@ -3397,8 +3405,8 @@
         </p:nvSpPr>
         <p:spPr>
           <a:xfrm>
-            <a:off x="8037447" y="621528"/>
-            <a:ext cx="1769164" cy="781880"/>
+            <a:off x="8030044" y="829028"/>
+            <a:ext cx="1773013" cy="779503"/>
           </a:xfrm>
           <a:prstGeom prst="rect">
             <a:avLst/>
@@ -3468,8 +3476,8 @@
         </p:nvSpPr>
         <p:spPr>
           <a:xfrm>
-            <a:off x="8037447" y="2545390"/>
-            <a:ext cx="1769164" cy="781880"/>
+            <a:off x="8030044" y="2747040"/>
+            <a:ext cx="1773013" cy="779503"/>
           </a:xfrm>
           <a:prstGeom prst="rect">
             <a:avLst/>
@@ -3539,8 +3547,8 @@
         </p:nvSpPr>
         <p:spPr>
           <a:xfrm>
-            <a:off x="2863797" y="4259911"/>
-            <a:ext cx="1769164" cy="781880"/>
+            <a:off x="2845139" y="4456350"/>
+            <a:ext cx="1773013" cy="779503"/>
           </a:xfrm>
           <a:prstGeom prst="rect">
             <a:avLst/>
@@ -3610,8 +3618,8 @@
         </p:nvSpPr>
         <p:spPr>
           <a:xfrm>
-            <a:off x="5450622" y="4251960"/>
-            <a:ext cx="1769164" cy="781880"/>
+            <a:off x="5437592" y="4448423"/>
+            <a:ext cx="1773013" cy="779503"/>
           </a:xfrm>
           <a:prstGeom prst="rect">
             <a:avLst/>
@@ -3681,8 +3689,8 @@
         </p:nvSpPr>
         <p:spPr>
           <a:xfrm>
-            <a:off x="8037447" y="4259911"/>
-            <a:ext cx="1769164" cy="781880"/>
+            <a:off x="8030044" y="4456350"/>
+            <a:ext cx="1773013" cy="779503"/>
           </a:xfrm>
           <a:prstGeom prst="rect">
             <a:avLst/>
@@ -3752,8 +3760,8 @@
         </p:nvCxnSpPr>
         <p:spPr>
           <a:xfrm>
-            <a:off x="5993960" y="1403407"/>
-            <a:ext cx="0" cy="616224"/>
+            <a:off x="5982111" y="1608530"/>
+            <a:ext cx="0" cy="614351"/>
           </a:xfrm>
           <a:prstGeom prst="line">
             <a:avLst/>
@@ -3787,10 +3795,10 @@
         </p:nvGrpSpPr>
         <p:grpSpPr>
           <a:xfrm>
-            <a:off x="1522686" y="4307540"/>
-            <a:ext cx="831949" cy="1267872"/>
-            <a:chOff x="-104140" y="0"/>
-            <a:chExt cx="589280" cy="869581"/>
+            <a:off x="1416057" y="4503834"/>
+            <a:ext cx="833760" cy="1180251"/>
+            <a:chOff x="-164254" y="0"/>
+            <a:chExt cx="589280" cy="811954"/>
           </a:xfrm>
         </p:grpSpPr>
         <p:sp>
@@ -3801,7 +3809,7 @@
           </p:nvSpPr>
           <p:spPr>
             <a:xfrm>
-              <a:off x="-104140" y="620661"/>
+              <a:off x="-164254" y="563034"/>
               <a:ext cx="589280" cy="248920"/>
             </a:xfrm>
             <a:prstGeom prst="rect">
@@ -4086,10 +4094,10 @@
         </p:nvGrpSpPr>
         <p:grpSpPr>
           <a:xfrm>
-            <a:off x="8672877" y="5416062"/>
-            <a:ext cx="495385" cy="982499"/>
+            <a:off x="8666856" y="5608986"/>
+            <a:ext cx="769962" cy="826538"/>
             <a:chOff x="-87743" y="0"/>
-            <a:chExt cx="358366" cy="770467"/>
+            <a:chExt cx="555788" cy="650141"/>
           </a:xfrm>
         </p:grpSpPr>
         <p:sp>
@@ -4101,7 +4109,7 @@
           <p:spPr>
             <a:xfrm>
               <a:off x="-87743" y="568960"/>
-              <a:ext cx="358366" cy="201507"/>
+              <a:ext cx="555788" cy="81181"/>
             </a:xfrm>
             <a:prstGeom prst="rect">
               <a:avLst/>
@@ -4391,10 +4399,10 @@
         </p:nvGrpSpPr>
         <p:grpSpPr>
           <a:xfrm>
-            <a:off x="10401882" y="655323"/>
-            <a:ext cx="941910" cy="1114719"/>
-            <a:chOff x="-203196" y="0"/>
-            <a:chExt cx="667167" cy="764540"/>
+            <a:off x="10270636" y="862720"/>
+            <a:ext cx="1072554" cy="982954"/>
+            <a:chOff x="-294361" y="0"/>
+            <a:chExt cx="758055" cy="676223"/>
           </a:xfrm>
         </p:grpSpPr>
         <p:sp>
@@ -4405,8 +4413,8 @@
           </p:nvSpPr>
           <p:spPr>
             <a:xfrm>
-              <a:off x="-203196" y="568960"/>
-              <a:ext cx="667167" cy="195580"/>
+              <a:off x="-294361" y="587905"/>
+              <a:ext cx="758055" cy="88318"/>
             </a:xfrm>
             <a:prstGeom prst="rect">
               <a:avLst/>
@@ -4436,7 +4444,7 @@
                 </a:spcAft>
               </a:pPr>
               <a:r>
-                <a:rPr lang="ko-KR" altLang="en-US" sz="1100" b="1" kern="100" smtClean="0">
+                <a:rPr lang="ko-KR" altLang="en-US" sz="1100" b="1" kern="100" dirty="0" smtClean="0">
                   <a:effectLst/>
                   <a:latin typeface="맑은 고딕" panose="020B0503020000020004" pitchFamily="50" charset="-127"/>
                   <a:ea typeface="맑은 고딕" panose="020B0503020000020004" pitchFamily="50" charset="-127"/>
@@ -4698,8 +4706,8 @@
         </p:nvCxnSpPr>
         <p:spPr>
           <a:xfrm flipH="1">
-            <a:off x="1820848" y="3327269"/>
-            <a:ext cx="1" cy="748453"/>
+            <a:off x="1799920" y="3526544"/>
+            <a:ext cx="1" cy="746177"/>
           </a:xfrm>
           <a:prstGeom prst="line">
             <a:avLst/>
@@ -4735,8 +4743,8 @@
         </p:nvCxnSpPr>
         <p:spPr>
           <a:xfrm flipH="1">
-            <a:off x="2138901" y="4650851"/>
-            <a:ext cx="724896" cy="0"/>
+            <a:off x="2118665" y="4846102"/>
+            <a:ext cx="726474" cy="0"/>
           </a:xfrm>
           <a:prstGeom prst="line">
             <a:avLst/>
@@ -4772,8 +4780,8 @@
         </p:nvCxnSpPr>
         <p:spPr>
           <a:xfrm flipH="1">
-            <a:off x="8920570" y="5041791"/>
-            <a:ext cx="1459" cy="214548"/>
+            <a:off x="8915088" y="5235853"/>
+            <a:ext cx="1463" cy="213896"/>
           </a:xfrm>
           <a:prstGeom prst="line">
             <a:avLst/>
@@ -4809,8 +4817,8 @@
         </p:nvCxnSpPr>
         <p:spPr>
           <a:xfrm>
-            <a:off x="9806611" y="1012468"/>
-            <a:ext cx="698558" cy="0"/>
+            <a:off x="9803057" y="1218780"/>
+            <a:ext cx="700078" cy="0"/>
           </a:xfrm>
           <a:prstGeom prst="line">
             <a:avLst/>
@@ -4844,8 +4852,8 @@
         </p:nvSpPr>
         <p:spPr>
           <a:xfrm>
-            <a:off x="4323856" y="398095"/>
-            <a:ext cx="386630" cy="389089"/>
+            <a:off x="4308374" y="606274"/>
+            <a:ext cx="387472" cy="387906"/>
           </a:xfrm>
           <a:prstGeom prst="smileyFace">
             <a:avLst/>
@@ -4892,8 +4900,8 @@
         </p:nvSpPr>
         <p:spPr>
           <a:xfrm>
-            <a:off x="4339094" y="2282286"/>
-            <a:ext cx="386630" cy="389089"/>
+            <a:off x="4323645" y="2484737"/>
+            <a:ext cx="387472" cy="387906"/>
           </a:xfrm>
           <a:prstGeom prst="smileyFace">
             <a:avLst/>
@@ -4940,8 +4948,8 @@
         </p:nvSpPr>
         <p:spPr>
           <a:xfrm>
-            <a:off x="5286131" y="4075722"/>
-            <a:ext cx="386630" cy="389089"/>
+            <a:off x="5272742" y="4272721"/>
+            <a:ext cx="387472" cy="387906"/>
           </a:xfrm>
           <a:prstGeom prst="smileyFace">
             <a:avLst/>
@@ -4988,8 +4996,8 @@
         </p:nvSpPr>
         <p:spPr>
           <a:xfrm>
-            <a:off x="7905588" y="343791"/>
-            <a:ext cx="386630" cy="389089"/>
+            <a:off x="7897898" y="552135"/>
+            <a:ext cx="387472" cy="387906"/>
           </a:xfrm>
           <a:prstGeom prst="smileyFace">
             <a:avLst/>
@@ -5036,8 +5044,8 @@
         </p:nvSpPr>
         <p:spPr>
           <a:xfrm>
-            <a:off x="2554692" y="729235"/>
-            <a:ext cx="708660" cy="342900"/>
+            <a:off x="2535361" y="936407"/>
+            <a:ext cx="710202" cy="341858"/>
           </a:xfrm>
           <a:prstGeom prst="rect">
             <a:avLst/>
@@ -5093,8 +5101,8 @@
         </p:nvCxnSpPr>
         <p:spPr>
           <a:xfrm rot="5400000" flipH="1" flipV="1">
-            <a:off x="2501135" y="332182"/>
-            <a:ext cx="1317692" cy="2678265"/>
+            <a:off x="2485123" y="533576"/>
+            <a:ext cx="1313687" cy="2684091"/>
           </a:xfrm>
           <a:prstGeom prst="bentConnector2">
             <a:avLst/>
@@ -5131,8 +5139,8 @@
         </p:nvCxnSpPr>
         <p:spPr>
           <a:xfrm rot="5400000">
-            <a:off x="2881162" y="2266922"/>
-            <a:ext cx="2860207" cy="1125771"/>
+            <a:off x="2870001" y="2466484"/>
+            <a:ext cx="2851513" cy="1128220"/>
           </a:xfrm>
           <a:prstGeom prst="bentConnector3">
             <a:avLst>
@@ -5172,8 +5180,8 @@
         </p:nvCxnSpPr>
         <p:spPr>
           <a:xfrm>
-            <a:off x="5428092" y="1403408"/>
-            <a:ext cx="1" cy="1077398"/>
+            <a:off x="5415013" y="1608531"/>
+            <a:ext cx="1" cy="1074123"/>
           </a:xfrm>
           <a:prstGeom prst="straightConnector1">
             <a:avLst/>
@@ -5208,8 +5216,8 @@
         </p:nvCxnSpPr>
         <p:spPr>
           <a:xfrm flipH="1">
-            <a:off x="4311265" y="3391851"/>
-            <a:ext cx="664020" cy="860108"/>
+            <a:off x="4295755" y="3590929"/>
+            <a:ext cx="665464" cy="857493"/>
           </a:xfrm>
           <a:prstGeom prst="straightConnector1">
             <a:avLst/>
@@ -5247,8 +5255,8 @@
         </p:nvCxnSpPr>
         <p:spPr>
           <a:xfrm rot="16200000" flipV="1">
-            <a:off x="5451596" y="3368351"/>
-            <a:ext cx="860107" cy="907111"/>
+            <a:off x="5440811" y="3565134"/>
+            <a:ext cx="857492" cy="909084"/>
           </a:xfrm>
           <a:prstGeom prst="bentConnector3">
             <a:avLst>
@@ -5287,8 +5295,8 @@
         </p:nvCxnSpPr>
         <p:spPr>
           <a:xfrm flipH="1">
-            <a:off x="6357069" y="2936330"/>
-            <a:ext cx="1680378" cy="6390"/>
+            <a:off x="6346011" y="3136792"/>
+            <a:ext cx="1684033" cy="6371"/>
           </a:xfrm>
           <a:prstGeom prst="straightConnector1">
             <a:avLst/>
@@ -5326,8 +5334,8 @@
         </p:nvCxnSpPr>
         <p:spPr>
           <a:xfrm rot="10800000" flipV="1">
-            <a:off x="6357071" y="1012468"/>
-            <a:ext cx="1680377" cy="1773216"/>
+            <a:off x="6346012" y="1218779"/>
+            <a:ext cx="1684032" cy="1767826"/>
           </a:xfrm>
           <a:prstGeom prst="bentConnector3">
             <a:avLst>
@@ -5366,8 +5374,8 @@
         </p:nvCxnSpPr>
         <p:spPr>
           <a:xfrm>
-            <a:off x="5993960" y="2029348"/>
-            <a:ext cx="3812651" cy="2621503"/>
+            <a:off x="5982111" y="2232567"/>
+            <a:ext cx="3820945" cy="2613534"/>
           </a:xfrm>
           <a:prstGeom prst="bentConnector3">
             <a:avLst>
@@ -5404,8 +5412,8 @@
         </p:nvCxnSpPr>
         <p:spPr>
           <a:xfrm>
-            <a:off x="6363046" y="853651"/>
-            <a:ext cx="1674400" cy="11059"/>
+            <a:off x="6352001" y="1060444"/>
+            <a:ext cx="1678042" cy="11025"/>
           </a:xfrm>
           <a:prstGeom prst="straightConnector1">
             <a:avLst/>
@@ -5443,8 +5451,8 @@
         </p:nvCxnSpPr>
         <p:spPr>
           <a:xfrm flipV="1">
-            <a:off x="8922029" y="3327270"/>
-            <a:ext cx="0" cy="932641"/>
+            <a:off x="8916551" y="3526545"/>
+            <a:ext cx="0" cy="929806"/>
           </a:xfrm>
           <a:prstGeom prst="straightConnector1">
             <a:avLst/>
@@ -5479,8 +5487,8 @@
         </p:nvSpPr>
         <p:spPr>
           <a:xfrm>
-            <a:off x="3682721" y="1848181"/>
-            <a:ext cx="493267" cy="342900"/>
+            <a:off x="3747290" y="1957613"/>
+            <a:ext cx="629911" cy="261970"/>
           </a:xfrm>
           <a:prstGeom prst="rect">
             <a:avLst/>
@@ -5532,8 +5540,8 @@
         </p:nvSpPr>
         <p:spPr>
           <a:xfrm>
-            <a:off x="3828700" y="3479006"/>
-            <a:ext cx="1070237" cy="342900"/>
+            <a:off x="3812141" y="3677819"/>
+            <a:ext cx="1072565" cy="341858"/>
           </a:xfrm>
           <a:prstGeom prst="rect">
             <a:avLst/>
@@ -5593,8 +5601,8 @@
         </p:nvSpPr>
         <p:spPr>
           <a:xfrm>
-            <a:off x="6984450" y="1081483"/>
-            <a:ext cx="1123005" cy="342900"/>
+            <a:off x="6974756" y="1287584"/>
+            <a:ext cx="1125448" cy="341858"/>
           </a:xfrm>
           <a:prstGeom prst="rect">
             <a:avLst/>
@@ -5654,8 +5662,8 @@
         </p:nvSpPr>
         <p:spPr>
           <a:xfrm>
-            <a:off x="6728184" y="2984369"/>
-            <a:ext cx="1123005" cy="342900"/>
+            <a:off x="6717932" y="3184686"/>
+            <a:ext cx="1125448" cy="341858"/>
           </a:xfrm>
           <a:prstGeom prst="rect">
             <a:avLst/>
@@ -5715,8 +5723,8 @@
         </p:nvSpPr>
         <p:spPr>
           <a:xfrm>
-            <a:off x="7601074" y="1793068"/>
-            <a:ext cx="1515145" cy="342900"/>
+            <a:off x="7592722" y="1997007"/>
+            <a:ext cx="1518442" cy="341858"/>
           </a:xfrm>
           <a:prstGeom prst="rect">
             <a:avLst/>
@@ -5776,8 +5784,8 @@
         </p:nvSpPr>
         <p:spPr>
           <a:xfrm>
-            <a:off x="6532327" y="590177"/>
-            <a:ext cx="1379610" cy="342900"/>
+            <a:off x="6521650" y="797772"/>
+            <a:ext cx="1382612" cy="341858"/>
           </a:xfrm>
           <a:prstGeom prst="rect">
             <a:avLst/>
@@ -5837,8 +5845,8 @@
         </p:nvSpPr>
         <p:spPr>
           <a:xfrm rot="16200000">
-            <a:off x="4586942" y="1736219"/>
-            <a:ext cx="1294507" cy="258445"/>
+            <a:off x="4477229" y="1896467"/>
+            <a:ext cx="1258525" cy="253663"/>
           </a:xfrm>
           <a:prstGeom prst="rect">
             <a:avLst/>
@@ -5872,7 +5880,31 @@
                 <a:ea typeface="맑은 고딕" panose="020B0503020000020004" pitchFamily="50" charset="-127"/>
                 <a:cs typeface="Times New Roman" panose="02020603050405020304" pitchFamily="18" charset="0"/>
               </a:rPr>
-              <a:t>Convey requests</a:t>
+              <a:t>Convey </a:t>
+            </a:r>
+            <a:endParaRPr lang="en-US" sz="1000" b="1" kern="100" dirty="0">
+              <a:latin typeface="맑은 고딕" panose="020B0503020000020004" pitchFamily="50" charset="-127"/>
+              <a:ea typeface="맑은 고딕" panose="020B0503020000020004" pitchFamily="50" charset="-127"/>
+              <a:cs typeface="Times New Roman" panose="02020603050405020304" pitchFamily="18" charset="0"/>
+            </a:endParaRPr>
+          </a:p>
+          <a:p>
+            <a:pPr algn="just" latinLnBrk="1">
+              <a:lnSpc>
+                <a:spcPct val="107000"/>
+              </a:lnSpc>
+              <a:spcAft>
+                <a:spcPts val="0"/>
+              </a:spcAft>
+            </a:pPr>
+            <a:r>
+              <a:rPr lang="en-US" sz="1000" b="1" kern="100" dirty="0" smtClean="0">
+                <a:effectLst/>
+                <a:latin typeface="맑은 고딕" panose="020B0503020000020004" pitchFamily="50" charset="-127"/>
+                <a:ea typeface="맑은 고딕" panose="020B0503020000020004" pitchFamily="50" charset="-127"/>
+                <a:cs typeface="Times New Roman" panose="02020603050405020304" pitchFamily="18" charset="0"/>
+              </a:rPr>
+              <a:t>requests</a:t>
             </a:r>
             <a:endParaRPr lang="ko-KR" sz="1000" b="1" kern="100" dirty="0">
               <a:effectLst/>
@@ -5891,8 +5923,8 @@
         </p:nvGrpSpPr>
         <p:grpSpPr>
           <a:xfrm>
-            <a:off x="800201" y="2173134"/>
-            <a:ext cx="275052" cy="339561"/>
+            <a:off x="777053" y="2375916"/>
+            <a:ext cx="275650" cy="338528"/>
             <a:chOff x="5998527" y="3322002"/>
             <a:chExt cx="194945" cy="213995"/>
           </a:xfrm>
@@ -6159,8 +6191,8 @@
         </p:nvGrpSpPr>
         <p:grpSpPr>
           <a:xfrm>
-            <a:off x="2740614" y="4118933"/>
-            <a:ext cx="275052" cy="339561"/>
+            <a:off x="2721686" y="4315801"/>
+            <a:ext cx="275650" cy="338528"/>
             <a:chOff x="5998527" y="3322002"/>
             <a:chExt cx="194945" cy="213995"/>
           </a:xfrm>
@@ -6427,8 +6459,8 @@
         </p:nvGrpSpPr>
         <p:grpSpPr>
           <a:xfrm>
-            <a:off x="7948104" y="2392278"/>
-            <a:ext cx="275052" cy="339561"/>
+            <a:off x="7940505" y="2594394"/>
+            <a:ext cx="275650" cy="338528"/>
             <a:chOff x="5998527" y="3322002"/>
             <a:chExt cx="194945" cy="213995"/>
           </a:xfrm>
@@ -6695,8 +6727,8 @@
         </p:nvSpPr>
         <p:spPr>
           <a:xfrm>
-            <a:off x="7894588" y="4090848"/>
-            <a:ext cx="386630" cy="389089"/>
+            <a:off x="7886873" y="4287797"/>
+            <a:ext cx="387472" cy="387905"/>
           </a:xfrm>
           <a:prstGeom prst="smileyFace">
             <a:avLst/>
@@ -6743,8 +6775,8 @@
         </p:nvSpPr>
         <p:spPr>
           <a:xfrm>
-            <a:off x="6313572" y="3740456"/>
-            <a:ext cx="1123005" cy="342900"/>
+            <a:off x="6302416" y="3938467"/>
+            <a:ext cx="1125448" cy="341857"/>
           </a:xfrm>
           <a:prstGeom prst="rect">
             <a:avLst/>
@@ -6804,8 +6836,8 @@
         </p:nvSpPr>
         <p:spPr>
           <a:xfrm>
-            <a:off x="8884800" y="3781760"/>
-            <a:ext cx="1123005" cy="342900"/>
+            <a:off x="8879236" y="3979645"/>
+            <a:ext cx="1125448" cy="341857"/>
           </a:xfrm>
           <a:prstGeom prst="rect">
             <a:avLst/>
@@ -6857,6 +6889,66 @@
           </a:p>
         </p:txBody>
       </p:sp>
+      <p:sp>
+        <p:nvSpPr>
+          <p:cNvPr id="3" name="TextBox 2"/>
+          <p:cNvSpPr txBox="1"/>
+          <p:nvPr/>
+        </p:nvSpPr>
+        <p:spPr>
+          <a:xfrm>
+            <a:off x="231494" y="173620"/>
+            <a:ext cx="3580647" cy="655408"/>
+          </a:xfrm>
+          <a:prstGeom prst="rect">
+            <a:avLst/>
+          </a:prstGeom>
+          <a:noFill/>
+        </p:spPr>
+        <p:txBody>
+          <a:bodyPr wrap="square" rtlCol="0">
+            <a:spAutoFit/>
+          </a:bodyPr>
+          <a:lstStyle/>
+          <a:p>
+            <a:endParaRPr lang="ko-KR" altLang="en-US" dirty="0"/>
+          </a:p>
+        </p:txBody>
+      </p:sp>
+      <p:sp>
+        <p:nvSpPr>
+          <p:cNvPr id="4" name="TextBox 3"/>
+          <p:cNvSpPr txBox="1"/>
+          <p:nvPr/>
+        </p:nvSpPr>
+        <p:spPr>
+          <a:xfrm>
+            <a:off x="231494" y="347241"/>
+            <a:ext cx="3192817" cy="369332"/>
+          </a:xfrm>
+          <a:prstGeom prst="rect">
+            <a:avLst/>
+          </a:prstGeom>
+          <a:noFill/>
+        </p:spPr>
+        <p:txBody>
+          <a:bodyPr wrap="square" rtlCol="0">
+            <a:spAutoFit/>
+          </a:bodyPr>
+          <a:lstStyle/>
+          <a:p>
+            <a:r>
+              <a:rPr lang="en-US" altLang="ko-KR" b="1" dirty="0" smtClean="0"/>
+              <a:t>Use Case 1 : </a:t>
+            </a:r>
+            <a:r>
+              <a:rPr lang="ko-KR" altLang="en-US" b="1" dirty="0" smtClean="0"/>
+              <a:t>음식점 조회</a:t>
+            </a:r>
+            <a:endParaRPr lang="ko-KR" altLang="en-US" b="1" dirty="0"/>
+          </a:p>
+        </p:txBody>
+      </p:sp>
     </p:spTree>
     <p:extLst>
       <p:ext uri="{BB962C8B-B14F-4D97-AF65-F5344CB8AC3E}">
@@ -6895,7 +6987,7 @@
         </p:nvGrpSpPr>
         <p:grpSpPr>
           <a:xfrm>
-            <a:off x="891871" y="2330160"/>
+            <a:off x="996043" y="2596378"/>
             <a:ext cx="1857955" cy="997109"/>
             <a:chOff x="874644" y="2480807"/>
             <a:chExt cx="2035533" cy="1009816"/>
@@ -6949,11 +7041,23 @@
             </a:p>
             <a:p>
               <a:pPr algn="ctr"/>
-              <a:endParaRPr lang="en-US" altLang="ko-KR" dirty="0" smtClean="0"/>
+              <a:endParaRPr lang="en-US" altLang="ko-KR" sz="900" dirty="0">
+                <a:solidFill>
+                  <a:schemeClr val="tx1"/>
+                </a:solidFill>
+              </a:endParaRPr>
             </a:p>
             <a:p>
               <a:pPr algn="ctr"/>
               <a:endParaRPr lang="en-US" altLang="ko-KR" sz="900" dirty="0" smtClean="0">
+                <a:solidFill>
+                  <a:schemeClr val="tx1"/>
+                </a:solidFill>
+              </a:endParaRPr>
+            </a:p>
+            <a:p>
+              <a:pPr algn="ctr"/>
+              <a:endParaRPr lang="en-US" altLang="ko-KR" sz="900" dirty="0">
                 <a:solidFill>
                   <a:schemeClr val="tx1"/>
                 </a:solidFill>
@@ -6967,13 +7071,9 @@
                     <a:schemeClr val="tx1"/>
                   </a:solidFill>
                 </a:rPr>
-                <a:t>음식점 고유번호</a:t>
+                <a:t>검색 조건</a:t>
               </a:r>
-              <a:endParaRPr lang="en-US" altLang="ko-KR" sz="900" b="1" dirty="0">
-                <a:solidFill>
-                  <a:schemeClr val="tx1"/>
-                </a:solidFill>
-              </a:endParaRPr>
+              <a:endParaRPr lang="en-US" altLang="ko-KR" b="1" dirty="0" smtClean="0"/>
             </a:p>
           </p:txBody>
         </p:sp>
@@ -7057,7 +7157,7 @@
         </p:nvGrpSpPr>
         <p:grpSpPr>
           <a:xfrm>
-            <a:off x="4499115" y="2480806"/>
+            <a:off x="4603287" y="2747024"/>
             <a:ext cx="1857955" cy="911047"/>
             <a:chOff x="874644" y="2480806"/>
             <a:chExt cx="2035533" cy="1009817"/>
@@ -7235,7 +7335,7 @@
         </p:nvSpPr>
         <p:spPr>
           <a:xfrm>
-            <a:off x="4499114" y="621528"/>
+            <a:off x="4603286" y="887746"/>
             <a:ext cx="1857955" cy="781880"/>
           </a:xfrm>
           <a:prstGeom prst="rect">
@@ -7306,7 +7406,7 @@
         </p:nvSpPr>
         <p:spPr>
           <a:xfrm>
-            <a:off x="8037447" y="621528"/>
+            <a:off x="8141619" y="887746"/>
             <a:ext cx="1769164" cy="781880"/>
           </a:xfrm>
           <a:prstGeom prst="rect">
@@ -7377,7 +7477,7 @@
         </p:nvSpPr>
         <p:spPr>
           <a:xfrm>
-            <a:off x="8037447" y="2545390"/>
+            <a:off x="8141619" y="2811608"/>
             <a:ext cx="1769164" cy="781880"/>
           </a:xfrm>
           <a:prstGeom prst="rect">
@@ -7448,7 +7548,7 @@
         </p:nvSpPr>
         <p:spPr>
           <a:xfrm>
-            <a:off x="2863797" y="4259911"/>
+            <a:off x="2967969" y="4526129"/>
             <a:ext cx="1769164" cy="781880"/>
           </a:xfrm>
           <a:prstGeom prst="rect">
@@ -7519,7 +7619,7 @@
         </p:nvSpPr>
         <p:spPr>
           <a:xfrm>
-            <a:off x="8037447" y="4259911"/>
+            <a:off x="8141619" y="4526129"/>
             <a:ext cx="1769164" cy="781880"/>
           </a:xfrm>
           <a:prstGeom prst="rect">
@@ -7590,7 +7690,7 @@
         </p:nvCxnSpPr>
         <p:spPr>
           <a:xfrm>
-            <a:off x="5993960" y="1403407"/>
+            <a:off x="6098132" y="1669625"/>
             <a:ext cx="0" cy="616224"/>
           </a:xfrm>
           <a:prstGeom prst="line">
@@ -7625,7 +7725,7 @@
         </p:nvGrpSpPr>
         <p:grpSpPr>
           <a:xfrm>
-            <a:off x="1522686" y="4307540"/>
+            <a:off x="1626858" y="4573758"/>
             <a:ext cx="831949" cy="1267872"/>
             <a:chOff x="-104140" y="0"/>
             <a:chExt cx="589280" cy="869581"/>
@@ -7924,7 +8024,7 @@
         </p:nvGrpSpPr>
         <p:grpSpPr>
           <a:xfrm>
-            <a:off x="8672877" y="5416062"/>
+            <a:off x="8777049" y="5682280"/>
             <a:ext cx="495385" cy="982499"/>
             <a:chOff x="-87743" y="0"/>
             <a:chExt cx="358366" cy="770467"/>
@@ -8229,7 +8329,7 @@
         </p:nvGrpSpPr>
         <p:grpSpPr>
           <a:xfrm>
-            <a:off x="10401882" y="655323"/>
+            <a:off x="10506054" y="921541"/>
             <a:ext cx="941910" cy="1114719"/>
             <a:chOff x="-203196" y="0"/>
             <a:chExt cx="667167" cy="764540"/>
@@ -8536,7 +8636,7 @@
         </p:nvCxnSpPr>
         <p:spPr>
           <a:xfrm flipH="1">
-            <a:off x="1820848" y="3327269"/>
+            <a:off x="1925020" y="3593487"/>
             <a:ext cx="1" cy="748453"/>
           </a:xfrm>
           <a:prstGeom prst="line">
@@ -8573,7 +8673,7 @@
         </p:nvCxnSpPr>
         <p:spPr>
           <a:xfrm flipH="1">
-            <a:off x="2138901" y="4650851"/>
+            <a:off x="2243073" y="4917069"/>
             <a:ext cx="724896" cy="0"/>
           </a:xfrm>
           <a:prstGeom prst="line">
@@ -8610,7 +8710,7 @@
         </p:nvCxnSpPr>
         <p:spPr>
           <a:xfrm flipH="1">
-            <a:off x="8920570" y="5041791"/>
+            <a:off x="9024742" y="5308009"/>
             <a:ext cx="1459" cy="214548"/>
           </a:xfrm>
           <a:prstGeom prst="line">
@@ -8647,7 +8747,7 @@
         </p:nvCxnSpPr>
         <p:spPr>
           <a:xfrm>
-            <a:off x="9806611" y="1012468"/>
+            <a:off x="9910783" y="1278686"/>
             <a:ext cx="698558" cy="0"/>
           </a:xfrm>
           <a:prstGeom prst="line">
@@ -8682,7 +8782,7 @@
         </p:nvSpPr>
         <p:spPr>
           <a:xfrm>
-            <a:off x="4323856" y="398095"/>
+            <a:off x="4428028" y="664313"/>
             <a:ext cx="386630" cy="389089"/>
           </a:xfrm>
           <a:prstGeom prst="smileyFace">
@@ -8730,7 +8830,7 @@
         </p:nvSpPr>
         <p:spPr>
           <a:xfrm>
-            <a:off x="4339094" y="2282286"/>
+            <a:off x="4443266" y="2548504"/>
             <a:ext cx="386630" cy="389089"/>
           </a:xfrm>
           <a:prstGeom prst="smileyFace">
@@ -8778,7 +8878,7 @@
         </p:nvSpPr>
         <p:spPr>
           <a:xfrm>
-            <a:off x="7905588" y="343791"/>
+            <a:off x="8009760" y="610009"/>
             <a:ext cx="386630" cy="389089"/>
           </a:xfrm>
           <a:prstGeom prst="smileyFace">
@@ -8826,7 +8926,7 @@
         </p:nvSpPr>
         <p:spPr>
           <a:xfrm>
-            <a:off x="3416369" y="728376"/>
+            <a:off x="3520541" y="994594"/>
             <a:ext cx="708660" cy="342900"/>
           </a:xfrm>
           <a:prstGeom prst="rect">
@@ -8883,7 +8983,7 @@
         </p:nvCxnSpPr>
         <p:spPr>
           <a:xfrm rot="5400000" flipH="1" flipV="1">
-            <a:off x="2501135" y="332182"/>
+            <a:off x="2605307" y="598400"/>
             <a:ext cx="1317692" cy="2678265"/>
           </a:xfrm>
           <a:prstGeom prst="bentConnector2">
@@ -8921,7 +9021,7 @@
         </p:nvCxnSpPr>
         <p:spPr>
           <a:xfrm rot="5400000">
-            <a:off x="2881162" y="2266922"/>
+            <a:off x="2985334" y="2533140"/>
             <a:ext cx="2860207" cy="1125771"/>
           </a:xfrm>
           <a:prstGeom prst="bentConnector3">
@@ -8962,7 +9062,7 @@
         </p:nvCxnSpPr>
         <p:spPr>
           <a:xfrm>
-            <a:off x="5428092" y="1403408"/>
+            <a:off x="5532264" y="1669626"/>
             <a:ext cx="1" cy="1077398"/>
           </a:xfrm>
           <a:prstGeom prst="straightConnector1">
@@ -8998,7 +9098,7 @@
         </p:nvCxnSpPr>
         <p:spPr>
           <a:xfrm flipH="1">
-            <a:off x="4311265" y="3391851"/>
+            <a:off x="4415437" y="3658069"/>
             <a:ext cx="664020" cy="860108"/>
           </a:xfrm>
           <a:prstGeom prst="straightConnector1">
@@ -9036,7 +9136,7 @@
         </p:nvCxnSpPr>
         <p:spPr>
           <a:xfrm flipH="1">
-            <a:off x="6357069" y="2936330"/>
+            <a:off x="6461241" y="3202548"/>
             <a:ext cx="1680378" cy="6390"/>
           </a:xfrm>
           <a:prstGeom prst="straightConnector1">
@@ -9075,7 +9175,7 @@
         </p:nvCxnSpPr>
         <p:spPr>
           <a:xfrm rot="10800000" flipV="1">
-            <a:off x="6357071" y="1012468"/>
+            <a:off x="6461243" y="1278686"/>
             <a:ext cx="1680377" cy="1773216"/>
           </a:xfrm>
           <a:prstGeom prst="bentConnector3">
@@ -9115,7 +9215,7 @@
         </p:nvCxnSpPr>
         <p:spPr>
           <a:xfrm>
-            <a:off x="5993960" y="2029348"/>
+            <a:off x="6098132" y="2295566"/>
             <a:ext cx="3812651" cy="2621503"/>
           </a:xfrm>
           <a:prstGeom prst="bentConnector3">
@@ -9153,7 +9253,7 @@
         </p:nvCxnSpPr>
         <p:spPr>
           <a:xfrm>
-            <a:off x="6363046" y="853651"/>
+            <a:off x="6467218" y="1119869"/>
             <a:ext cx="1674400" cy="11059"/>
           </a:xfrm>
           <a:prstGeom prst="straightConnector1">
@@ -9192,7 +9292,7 @@
         </p:nvCxnSpPr>
         <p:spPr>
           <a:xfrm flipV="1">
-            <a:off x="8922029" y="3327270"/>
+            <a:off x="9026201" y="3593488"/>
             <a:ext cx="0" cy="932641"/>
           </a:xfrm>
           <a:prstGeom prst="straightConnector1">
@@ -9228,7 +9328,7 @@
         </p:nvSpPr>
         <p:spPr>
           <a:xfrm>
-            <a:off x="3658929" y="1848181"/>
+            <a:off x="3763101" y="2114399"/>
             <a:ext cx="493267" cy="342900"/>
           </a:xfrm>
           <a:prstGeom prst="rect">
@@ -9281,7 +9381,7 @@
         </p:nvSpPr>
         <p:spPr>
           <a:xfrm>
-            <a:off x="4632961" y="3733065"/>
+            <a:off x="4737133" y="3999283"/>
             <a:ext cx="1070237" cy="342900"/>
           </a:xfrm>
           <a:prstGeom prst="rect">
@@ -9342,7 +9442,7 @@
         </p:nvSpPr>
         <p:spPr>
           <a:xfrm>
-            <a:off x="6984450" y="1081483"/>
+            <a:off x="7088622" y="1347701"/>
             <a:ext cx="1123005" cy="342900"/>
           </a:xfrm>
           <a:prstGeom prst="rect">
@@ -9403,7 +9503,7 @@
         </p:nvSpPr>
         <p:spPr>
           <a:xfrm>
-            <a:off x="6728184" y="2984369"/>
+            <a:off x="6832356" y="3250587"/>
             <a:ext cx="1123005" cy="342900"/>
           </a:xfrm>
           <a:prstGeom prst="rect">
@@ -9464,7 +9564,7 @@
         </p:nvSpPr>
         <p:spPr>
           <a:xfrm>
-            <a:off x="8884800" y="1756744"/>
+            <a:off x="8988972" y="2022962"/>
             <a:ext cx="1515145" cy="342900"/>
           </a:xfrm>
           <a:prstGeom prst="rect">
@@ -9525,7 +9625,7 @@
         </p:nvSpPr>
         <p:spPr>
           <a:xfrm>
-            <a:off x="6532327" y="590177"/>
+            <a:off x="6636499" y="856395"/>
             <a:ext cx="1379610" cy="342900"/>
           </a:xfrm>
           <a:prstGeom prst="rect">
@@ -9586,7 +9686,7 @@
         </p:nvSpPr>
         <p:spPr>
           <a:xfrm rot="16200000">
-            <a:off x="4632411" y="1761349"/>
+            <a:off x="4736583" y="2027567"/>
             <a:ext cx="1294507" cy="258445"/>
           </a:xfrm>
           <a:prstGeom prst="rect">
@@ -9640,7 +9740,7 @@
         </p:nvGrpSpPr>
         <p:grpSpPr>
           <a:xfrm>
-            <a:off x="800201" y="2173134"/>
+            <a:off x="904373" y="2439352"/>
             <a:ext cx="275052" cy="339561"/>
             <a:chOff x="5998527" y="3322002"/>
             <a:chExt cx="194945" cy="213995"/>
@@ -9908,7 +10008,7 @@
         </p:nvGrpSpPr>
         <p:grpSpPr>
           <a:xfrm>
-            <a:off x="2740614" y="4118933"/>
+            <a:off x="2844786" y="4385151"/>
             <a:ext cx="275052" cy="339561"/>
             <a:chOff x="5998527" y="3322002"/>
             <a:chExt cx="194945" cy="213995"/>
@@ -10176,7 +10276,7 @@
         </p:nvGrpSpPr>
         <p:grpSpPr>
           <a:xfrm>
-            <a:off x="7948104" y="2392278"/>
+            <a:off x="8052276" y="2658496"/>
             <a:ext cx="275052" cy="339561"/>
             <a:chOff x="5998527" y="3322002"/>
             <a:chExt cx="194945" cy="213995"/>
@@ -10444,7 +10544,7 @@
         </p:nvSpPr>
         <p:spPr>
           <a:xfrm>
-            <a:off x="7894588" y="4090848"/>
+            <a:off x="7998760" y="4357066"/>
             <a:ext cx="386630" cy="389089"/>
           </a:xfrm>
           <a:prstGeom prst="smileyFace">
@@ -10492,7 +10592,7 @@
         </p:nvSpPr>
         <p:spPr>
           <a:xfrm>
-            <a:off x="8884800" y="3781760"/>
+            <a:off x="8988972" y="4047978"/>
             <a:ext cx="1123005" cy="342900"/>
           </a:xfrm>
           <a:prstGeom prst="rect">
@@ -10542,6 +10642,40 @@
               <a:ea typeface="맑은 고딕" panose="020B0503020000020004" pitchFamily="50" charset="-127"/>
               <a:cs typeface="Times New Roman" panose="02020603050405020304" pitchFamily="18" charset="0"/>
             </a:endParaRPr>
+          </a:p>
+        </p:txBody>
+      </p:sp>
+      <p:sp>
+        <p:nvSpPr>
+          <p:cNvPr id="89" name="TextBox 88"/>
+          <p:cNvSpPr txBox="1"/>
+          <p:nvPr/>
+        </p:nvSpPr>
+        <p:spPr>
+          <a:xfrm>
+            <a:off x="335501" y="344448"/>
+            <a:ext cx="4051139" cy="369332"/>
+          </a:xfrm>
+          <a:prstGeom prst="rect">
+            <a:avLst/>
+          </a:prstGeom>
+          <a:noFill/>
+        </p:spPr>
+        <p:txBody>
+          <a:bodyPr wrap="square" rtlCol="0">
+            <a:spAutoFit/>
+          </a:bodyPr>
+          <a:lstStyle/>
+          <a:p>
+            <a:r>
+              <a:rPr lang="en-US" altLang="ko-KR" b="1" dirty="0" smtClean="0"/>
+              <a:t>Use Case 10 : </a:t>
+            </a:r>
+            <a:r>
+              <a:rPr lang="ko-KR" altLang="en-US" b="1" dirty="0" smtClean="0"/>
+              <a:t>지도 정보 조회</a:t>
+            </a:r>
+            <a:endParaRPr lang="ko-KR" altLang="en-US" b="1" dirty="0"/>
           </a:p>
         </p:txBody>
       </p:sp>
@@ -13338,6 +13472,40 @@
           </a:p>
         </p:txBody>
       </p:sp>
+      <p:sp>
+        <p:nvSpPr>
+          <p:cNvPr id="68" name="TextBox 67"/>
+          <p:cNvSpPr txBox="1"/>
+          <p:nvPr/>
+        </p:nvSpPr>
+        <p:spPr>
+          <a:xfrm>
+            <a:off x="231494" y="347241"/>
+            <a:ext cx="3192817" cy="369332"/>
+          </a:xfrm>
+          <a:prstGeom prst="rect">
+            <a:avLst/>
+          </a:prstGeom>
+          <a:noFill/>
+        </p:spPr>
+        <p:txBody>
+          <a:bodyPr wrap="square" rtlCol="0">
+            <a:spAutoFit/>
+          </a:bodyPr>
+          <a:lstStyle/>
+          <a:p>
+            <a:r>
+              <a:rPr lang="en-US" altLang="ko-KR" b="1" dirty="0" smtClean="0"/>
+              <a:t>Use Case 2 : </a:t>
+            </a:r>
+            <a:r>
+              <a:rPr lang="ko-KR" altLang="en-US" b="1" dirty="0" smtClean="0"/>
+              <a:t>음식점 추천</a:t>
+            </a:r>
+            <a:endParaRPr lang="ko-KR" altLang="en-US" b="1" dirty="0"/>
+          </a:p>
+        </p:txBody>
+      </p:sp>
     </p:spTree>
     <p:extLst>
       <p:ext uri="{BB962C8B-B14F-4D97-AF65-F5344CB8AC3E}">
@@ -15758,6 +15926,40 @@
           </a:p>
         </p:txBody>
       </p:sp>
+      <p:sp>
+        <p:nvSpPr>
+          <p:cNvPr id="61" name="TextBox 60"/>
+          <p:cNvSpPr txBox="1"/>
+          <p:nvPr/>
+        </p:nvSpPr>
+        <p:spPr>
+          <a:xfrm>
+            <a:off x="231494" y="347241"/>
+            <a:ext cx="3192817" cy="369332"/>
+          </a:xfrm>
+          <a:prstGeom prst="rect">
+            <a:avLst/>
+          </a:prstGeom>
+          <a:noFill/>
+        </p:spPr>
+        <p:txBody>
+          <a:bodyPr wrap="square" rtlCol="0">
+            <a:spAutoFit/>
+          </a:bodyPr>
+          <a:lstStyle/>
+          <a:p>
+            <a:r>
+              <a:rPr lang="en-US" altLang="ko-KR" b="1" dirty="0" smtClean="0"/>
+              <a:t>Use Case 3 : </a:t>
+            </a:r>
+            <a:r>
+              <a:rPr lang="ko-KR" altLang="en-US" b="1" dirty="0" smtClean="0"/>
+              <a:t>로그인</a:t>
+            </a:r>
+            <a:endParaRPr lang="ko-KR" altLang="en-US" b="1" dirty="0"/>
+          </a:p>
+        </p:txBody>
+      </p:sp>
     </p:spTree>
     <p:extLst>
       <p:ext uri="{BB962C8B-B14F-4D97-AF65-F5344CB8AC3E}">
@@ -18623,6 +18825,40 @@
           </a:p>
         </p:txBody>
       </p:sp>
+      <p:sp>
+        <p:nvSpPr>
+          <p:cNvPr id="68" name="TextBox 67"/>
+          <p:cNvSpPr txBox="1"/>
+          <p:nvPr/>
+        </p:nvSpPr>
+        <p:spPr>
+          <a:xfrm>
+            <a:off x="231494" y="347241"/>
+            <a:ext cx="3192817" cy="369332"/>
+          </a:xfrm>
+          <a:prstGeom prst="rect">
+            <a:avLst/>
+          </a:prstGeom>
+          <a:noFill/>
+        </p:spPr>
+        <p:txBody>
+          <a:bodyPr wrap="square" rtlCol="0">
+            <a:spAutoFit/>
+          </a:bodyPr>
+          <a:lstStyle/>
+          <a:p>
+            <a:r>
+              <a:rPr lang="en-US" altLang="ko-KR" b="1" dirty="0" smtClean="0"/>
+              <a:t>Use Case 4 : </a:t>
+            </a:r>
+            <a:r>
+              <a:rPr lang="ko-KR" altLang="en-US" b="1" dirty="0" smtClean="0"/>
+              <a:t>리뷰 작성</a:t>
+            </a:r>
+            <a:endParaRPr lang="ko-KR" altLang="en-US" b="1" dirty="0"/>
+          </a:p>
+        </p:txBody>
+      </p:sp>
     </p:spTree>
     <p:extLst>
       <p:ext uri="{BB962C8B-B14F-4D97-AF65-F5344CB8AC3E}">
@@ -19369,54 +19605,6 @@
       </p:sp>
       <p:sp>
         <p:nvSpPr>
-          <p:cNvPr id="23" name="웃는 얼굴 22"/>
-          <p:cNvSpPr/>
-          <p:nvPr/>
-        </p:nvSpPr>
-        <p:spPr>
-          <a:xfrm>
-            <a:off x="9284655" y="2126669"/>
-            <a:ext cx="386630" cy="389089"/>
-          </a:xfrm>
-          <a:prstGeom prst="smileyFace">
-            <a:avLst/>
-          </a:prstGeom>
-          <a:solidFill>
-            <a:schemeClr val="bg1"/>
-          </a:solidFill>
-          <a:ln>
-            <a:solidFill>
-              <a:schemeClr val="tx1"/>
-            </a:solidFill>
-          </a:ln>
-        </p:spPr>
-        <p:style>
-          <a:lnRef idx="2">
-            <a:schemeClr val="accent1">
-              <a:shade val="50000"/>
-            </a:schemeClr>
-          </a:lnRef>
-          <a:fillRef idx="1">
-            <a:schemeClr val="accent1"/>
-          </a:fillRef>
-          <a:effectRef idx="0">
-            <a:schemeClr val="accent1"/>
-          </a:effectRef>
-          <a:fontRef idx="minor">
-            <a:schemeClr val="lt1"/>
-          </a:fontRef>
-        </p:style>
-        <p:txBody>
-          <a:bodyPr rtlCol="0" anchor="ctr"/>
-          <a:lstStyle/>
-          <a:p>
-            <a:pPr algn="ctr"/>
-            <a:endParaRPr lang="ko-KR" altLang="en-US"/>
-          </a:p>
-        </p:txBody>
-      </p:sp>
-      <p:sp>
-        <p:nvSpPr>
           <p:cNvPr id="24" name="직사각형 23"/>
           <p:cNvSpPr/>
           <p:nvPr/>
@@ -21285,6 +21473,308 @@
           </a:p>
         </p:txBody>
       </p:sp>
+      <p:grpSp>
+        <p:nvGrpSpPr>
+          <p:cNvPr id="61" name="그룹 60"/>
+          <p:cNvGrpSpPr/>
+          <p:nvPr/>
+        </p:nvGrpSpPr>
+        <p:grpSpPr>
+          <a:xfrm>
+            <a:off x="9435576" y="2165541"/>
+            <a:ext cx="275052" cy="339561"/>
+            <a:chOff x="5998527" y="3322002"/>
+            <a:chExt cx="194945" cy="213995"/>
+          </a:xfrm>
+        </p:grpSpPr>
+        <p:sp>
+          <p:nvSpPr>
+            <p:cNvPr id="63" name="모서리가 접힌 도형 62"/>
+            <p:cNvSpPr/>
+            <p:nvPr/>
+          </p:nvSpPr>
+          <p:spPr>
+            <a:xfrm flipV="1">
+              <a:off x="5998527" y="3322002"/>
+              <a:ext cx="194945" cy="213995"/>
+            </a:xfrm>
+            <a:prstGeom prst="foldedCorner">
+              <a:avLst>
+                <a:gd name="adj" fmla="val 48438"/>
+              </a:avLst>
+            </a:prstGeom>
+            <a:solidFill>
+              <a:schemeClr val="bg1"/>
+            </a:solidFill>
+            <a:ln>
+              <a:solidFill>
+                <a:schemeClr val="tx1"/>
+              </a:solidFill>
+            </a:ln>
+          </p:spPr>
+          <p:style>
+            <a:lnRef idx="2">
+              <a:schemeClr val="accent1">
+                <a:shade val="50000"/>
+              </a:schemeClr>
+            </a:lnRef>
+            <a:fillRef idx="1">
+              <a:schemeClr val="accent1"/>
+            </a:fillRef>
+            <a:effectRef idx="0">
+              <a:schemeClr val="accent1"/>
+            </a:effectRef>
+            <a:fontRef idx="minor">
+              <a:schemeClr val="lt1"/>
+            </a:fontRef>
+          </p:style>
+          <p:txBody>
+            <a:bodyPr rot="0" spcFirstLastPara="0" vert="horz" wrap="square" lIns="91440" tIns="45720" rIns="91440" bIns="45720" numCol="1" spcCol="0" rtlCol="0" fromWordArt="0" anchor="ctr" anchorCtr="0" forceAA="0" compatLnSpc="1">
+              <a:prstTxWarp prst="textNoShape">
+                <a:avLst/>
+              </a:prstTxWarp>
+              <a:noAutofit/>
+            </a:bodyPr>
+            <a:lstStyle/>
+            <a:p>
+              <a:pPr algn="just" latinLnBrk="1">
+                <a:lnSpc>
+                  <a:spcPct val="107000"/>
+                </a:lnSpc>
+                <a:spcAft>
+                  <a:spcPts val="800"/>
+                </a:spcAft>
+              </a:pPr>
+              <a:r>
+                <a:rPr lang="en-US" sz="1000" kern="100">
+                  <a:effectLst/>
+                  <a:ea typeface="맑은 고딕" panose="020B0503020000020004" pitchFamily="50" charset="-127"/>
+                  <a:cs typeface="Times New Roman" panose="02020603050405020304" pitchFamily="18" charset="0"/>
+                </a:rPr>
+                <a:t> </a:t>
+              </a:r>
+              <a:endParaRPr lang="ko-KR" sz="1000" kern="100">
+                <a:effectLst/>
+                <a:ea typeface="맑은 고딕" panose="020B0503020000020004" pitchFamily="50" charset="-127"/>
+                <a:cs typeface="Times New Roman" panose="02020603050405020304" pitchFamily="18" charset="0"/>
+              </a:endParaRPr>
+            </a:p>
+          </p:txBody>
+        </p:sp>
+        <p:sp>
+          <p:nvSpPr>
+            <p:cNvPr id="64" name="모서리가 접힌 도형 63"/>
+            <p:cNvSpPr/>
+            <p:nvPr/>
+          </p:nvSpPr>
+          <p:spPr>
+            <a:xfrm flipV="1">
+              <a:off x="5998527" y="3322002"/>
+              <a:ext cx="194945" cy="213995"/>
+            </a:xfrm>
+            <a:prstGeom prst="foldedCorner">
+              <a:avLst>
+                <a:gd name="adj" fmla="val 48438"/>
+              </a:avLst>
+            </a:prstGeom>
+            <a:solidFill>
+              <a:schemeClr val="bg1"/>
+            </a:solidFill>
+            <a:ln>
+              <a:solidFill>
+                <a:schemeClr val="tx1"/>
+              </a:solidFill>
+            </a:ln>
+          </p:spPr>
+          <p:style>
+            <a:lnRef idx="2">
+              <a:schemeClr val="accent1">
+                <a:shade val="50000"/>
+              </a:schemeClr>
+            </a:lnRef>
+            <a:fillRef idx="1">
+              <a:schemeClr val="accent1"/>
+            </a:fillRef>
+            <a:effectRef idx="0">
+              <a:schemeClr val="accent1"/>
+            </a:effectRef>
+            <a:fontRef idx="minor">
+              <a:schemeClr val="lt1"/>
+            </a:fontRef>
+          </p:style>
+          <p:txBody>
+            <a:bodyPr rot="0" spcFirstLastPara="0" vert="horz" wrap="square" lIns="91440" tIns="45720" rIns="91440" bIns="45720" numCol="1" spcCol="0" rtlCol="0" fromWordArt="0" anchor="ctr" anchorCtr="0" forceAA="0" compatLnSpc="1">
+              <a:prstTxWarp prst="textNoShape">
+                <a:avLst/>
+              </a:prstTxWarp>
+              <a:noAutofit/>
+            </a:bodyPr>
+            <a:lstStyle/>
+            <a:p>
+              <a:pPr algn="just" latinLnBrk="1">
+                <a:lnSpc>
+                  <a:spcPct val="107000"/>
+                </a:lnSpc>
+                <a:spcAft>
+                  <a:spcPts val="800"/>
+                </a:spcAft>
+              </a:pPr>
+              <a:r>
+                <a:rPr lang="en-US" sz="1000" kern="100">
+                  <a:effectLst/>
+                  <a:ea typeface="맑은 고딕" panose="020B0503020000020004" pitchFamily="50" charset="-127"/>
+                  <a:cs typeface="Times New Roman" panose="02020603050405020304" pitchFamily="18" charset="0"/>
+                </a:rPr>
+                <a:t> </a:t>
+              </a:r>
+              <a:endParaRPr lang="ko-KR" sz="1000" kern="100">
+                <a:effectLst/>
+                <a:ea typeface="맑은 고딕" panose="020B0503020000020004" pitchFamily="50" charset="-127"/>
+                <a:cs typeface="Times New Roman" panose="02020603050405020304" pitchFamily="18" charset="0"/>
+              </a:endParaRPr>
+            </a:p>
+          </p:txBody>
+        </p:sp>
+        <p:cxnSp>
+          <p:nvCxnSpPr>
+            <p:cNvPr id="65" name="직선 연결선 64"/>
+            <p:cNvCxnSpPr/>
+            <p:nvPr/>
+          </p:nvCxnSpPr>
+          <p:spPr>
+            <a:xfrm>
+              <a:off x="6033452" y="3483292"/>
+              <a:ext cx="127635" cy="3810"/>
+            </a:xfrm>
+            <a:prstGeom prst="line">
+              <a:avLst/>
+            </a:prstGeom>
+            <a:ln w="19050">
+              <a:solidFill>
+                <a:schemeClr val="tx1"/>
+              </a:solidFill>
+            </a:ln>
+          </p:spPr>
+          <p:style>
+            <a:lnRef idx="1">
+              <a:schemeClr val="accent1"/>
+            </a:lnRef>
+            <a:fillRef idx="0">
+              <a:schemeClr val="accent1"/>
+            </a:fillRef>
+            <a:effectRef idx="0">
+              <a:schemeClr val="accent1"/>
+            </a:effectRef>
+            <a:fontRef idx="minor">
+              <a:schemeClr val="tx1"/>
+            </a:fontRef>
+          </p:style>
+        </p:cxnSp>
+        <p:cxnSp>
+          <p:nvCxnSpPr>
+            <p:cNvPr id="66" name="직선 연결선 65"/>
+            <p:cNvCxnSpPr/>
+            <p:nvPr/>
+          </p:nvCxnSpPr>
+          <p:spPr>
+            <a:xfrm>
+              <a:off x="6033452" y="3431222"/>
+              <a:ext cx="127635" cy="3810"/>
+            </a:xfrm>
+            <a:prstGeom prst="line">
+              <a:avLst/>
+            </a:prstGeom>
+            <a:ln w="19050">
+              <a:solidFill>
+                <a:schemeClr val="tx1"/>
+              </a:solidFill>
+            </a:ln>
+          </p:spPr>
+          <p:style>
+            <a:lnRef idx="1">
+              <a:schemeClr val="accent1"/>
+            </a:lnRef>
+            <a:fillRef idx="0">
+              <a:schemeClr val="accent1"/>
+            </a:fillRef>
+            <a:effectRef idx="0">
+              <a:schemeClr val="accent1"/>
+            </a:effectRef>
+            <a:fontRef idx="minor">
+              <a:schemeClr val="tx1"/>
+            </a:fontRef>
+          </p:style>
+        </p:cxnSp>
+        <p:cxnSp>
+          <p:nvCxnSpPr>
+            <p:cNvPr id="68" name="직선 연결선 67"/>
+            <p:cNvCxnSpPr/>
+            <p:nvPr/>
+          </p:nvCxnSpPr>
+          <p:spPr>
+            <a:xfrm>
+              <a:off x="6033452" y="3382962"/>
+              <a:ext cx="71120" cy="0"/>
+            </a:xfrm>
+            <a:prstGeom prst="line">
+              <a:avLst/>
+            </a:prstGeom>
+            <a:ln w="19050">
+              <a:solidFill>
+                <a:schemeClr val="tx1"/>
+              </a:solidFill>
+            </a:ln>
+          </p:spPr>
+          <p:style>
+            <a:lnRef idx="1">
+              <a:schemeClr val="accent1"/>
+            </a:lnRef>
+            <a:fillRef idx="0">
+              <a:schemeClr val="accent1"/>
+            </a:fillRef>
+            <a:effectRef idx="0">
+              <a:schemeClr val="accent1"/>
+            </a:effectRef>
+            <a:fontRef idx="minor">
+              <a:schemeClr val="tx1"/>
+            </a:fontRef>
+          </p:style>
+        </p:cxnSp>
+      </p:grpSp>
+      <p:sp>
+        <p:nvSpPr>
+          <p:cNvPr id="69" name="TextBox 68"/>
+          <p:cNvSpPr txBox="1"/>
+          <p:nvPr/>
+        </p:nvSpPr>
+        <p:spPr>
+          <a:xfrm>
+            <a:off x="231494" y="347241"/>
+            <a:ext cx="3192817" cy="369332"/>
+          </a:xfrm>
+          <a:prstGeom prst="rect">
+            <a:avLst/>
+          </a:prstGeom>
+          <a:noFill/>
+        </p:spPr>
+        <p:txBody>
+          <a:bodyPr wrap="square" rtlCol="0">
+            <a:spAutoFit/>
+          </a:bodyPr>
+          <a:lstStyle/>
+          <a:p>
+            <a:r>
+              <a:rPr lang="en-US" altLang="ko-KR" b="1" dirty="0" smtClean="0"/>
+              <a:t>Use Case 5 : </a:t>
+            </a:r>
+            <a:r>
+              <a:rPr lang="ko-KR" altLang="en-US" b="1" dirty="0" smtClean="0"/>
+              <a:t>즐겨 찾기 등록</a:t>
+            </a:r>
+            <a:endParaRPr lang="ko-KR" altLang="en-US" b="1" dirty="0"/>
+          </a:p>
+        </p:txBody>
+      </p:sp>
     </p:spTree>
     <p:extLst>
       <p:ext uri="{BB962C8B-B14F-4D97-AF65-F5344CB8AC3E}">
@@ -23797,6 +24287,44 @@
           </a:p>
         </p:txBody>
       </p:sp>
+      <p:sp>
+        <p:nvSpPr>
+          <p:cNvPr id="61" name="TextBox 60"/>
+          <p:cNvSpPr txBox="1"/>
+          <p:nvPr/>
+        </p:nvSpPr>
+        <p:spPr>
+          <a:xfrm>
+            <a:off x="231494" y="347241"/>
+            <a:ext cx="3192817" cy="369332"/>
+          </a:xfrm>
+          <a:prstGeom prst="rect">
+            <a:avLst/>
+          </a:prstGeom>
+          <a:noFill/>
+        </p:spPr>
+        <p:txBody>
+          <a:bodyPr wrap="square" rtlCol="0">
+            <a:spAutoFit/>
+          </a:bodyPr>
+          <a:lstStyle/>
+          <a:p>
+            <a:r>
+              <a:rPr lang="en-US" altLang="ko-KR" b="1" dirty="0" smtClean="0"/>
+              <a:t>Use Case 6 :</a:t>
+            </a:r>
+            <a:r>
+              <a:rPr lang="ko-KR" altLang="en-US" b="1" dirty="0"/>
+              <a:t> </a:t>
+            </a:r>
+            <a:r>
+              <a:rPr lang="ko-KR" altLang="en-US" b="1" dirty="0" smtClean="0"/>
+              <a:t>회원 가입</a:t>
+            </a:r>
+            <a:endParaRPr lang="ko-KR" altLang="en-US" b="1" dirty="0"/>
+          </a:p>
+        </p:txBody>
+      </p:sp>
     </p:spTree>
     <p:extLst>
       <p:ext uri="{BB962C8B-B14F-4D97-AF65-F5344CB8AC3E}">
@@ -24531,12 +25059,12 @@
           <a:p>
             <a:pPr algn="ctr"/>
             <a:r>
-              <a:rPr lang="en-US" altLang="ko-KR" sz="1200" b="1" dirty="0" err="1" smtClean="0">
+              <a:rPr lang="en-US" altLang="ko-KR" sz="1200" b="1" dirty="0">
                 <a:solidFill>
                   <a:schemeClr val="tx1"/>
                 </a:solidFill>
               </a:rPr>
-              <a:t>Restaurnt</a:t>
+              <a:t>Restaurant </a:t>
             </a:r>
             <a:r>
               <a:rPr lang="en-US" altLang="ko-KR" sz="1200" b="1" dirty="0" smtClean="0">
@@ -24544,56 +25072,8 @@
                   <a:schemeClr val="tx1"/>
                 </a:solidFill>
               </a:rPr>
-              <a:t> Database</a:t>
+              <a:t>Database</a:t>
             </a:r>
-          </a:p>
-        </p:txBody>
-      </p:sp>
-      <p:sp>
-        <p:nvSpPr>
-          <p:cNvPr id="17" name="웃는 얼굴 16"/>
-          <p:cNvSpPr/>
-          <p:nvPr/>
-        </p:nvSpPr>
-        <p:spPr>
-          <a:xfrm>
-            <a:off x="9284655" y="2126669"/>
-            <a:ext cx="386630" cy="389089"/>
-          </a:xfrm>
-          <a:prstGeom prst="smileyFace">
-            <a:avLst/>
-          </a:prstGeom>
-          <a:solidFill>
-            <a:schemeClr val="bg1"/>
-          </a:solidFill>
-          <a:ln>
-            <a:solidFill>
-              <a:schemeClr val="tx1"/>
-            </a:solidFill>
-          </a:ln>
-        </p:spPr>
-        <p:style>
-          <a:lnRef idx="2">
-            <a:schemeClr val="accent1">
-              <a:shade val="50000"/>
-            </a:schemeClr>
-          </a:lnRef>
-          <a:fillRef idx="1">
-            <a:schemeClr val="accent1"/>
-          </a:fillRef>
-          <a:effectRef idx="0">
-            <a:schemeClr val="accent1"/>
-          </a:effectRef>
-          <a:fontRef idx="minor">
-            <a:schemeClr val="lt1"/>
-          </a:fontRef>
-        </p:style>
-        <p:txBody>
-          <a:bodyPr rtlCol="0" anchor="ctr"/>
-          <a:lstStyle/>
-          <a:p>
-            <a:pPr algn="ctr"/>
-            <a:endParaRPr lang="ko-KR" altLang="en-US"/>
           </a:p>
         </p:txBody>
       </p:sp>
@@ -26459,6 +26939,312 @@
           </a:p>
         </p:txBody>
       </p:sp>
+      <p:grpSp>
+        <p:nvGrpSpPr>
+          <p:cNvPr id="63" name="그룹 62"/>
+          <p:cNvGrpSpPr/>
+          <p:nvPr/>
+        </p:nvGrpSpPr>
+        <p:grpSpPr>
+          <a:xfrm>
+            <a:off x="9413581" y="2151664"/>
+            <a:ext cx="275052" cy="339561"/>
+            <a:chOff x="5998527" y="3322002"/>
+            <a:chExt cx="194945" cy="213995"/>
+          </a:xfrm>
+        </p:grpSpPr>
+        <p:sp>
+          <p:nvSpPr>
+            <p:cNvPr id="64" name="모서리가 접힌 도형 63"/>
+            <p:cNvSpPr/>
+            <p:nvPr/>
+          </p:nvSpPr>
+          <p:spPr>
+            <a:xfrm flipV="1">
+              <a:off x="5998527" y="3322002"/>
+              <a:ext cx="194945" cy="213995"/>
+            </a:xfrm>
+            <a:prstGeom prst="foldedCorner">
+              <a:avLst>
+                <a:gd name="adj" fmla="val 48438"/>
+              </a:avLst>
+            </a:prstGeom>
+            <a:solidFill>
+              <a:schemeClr val="bg1"/>
+            </a:solidFill>
+            <a:ln>
+              <a:solidFill>
+                <a:schemeClr val="tx1"/>
+              </a:solidFill>
+            </a:ln>
+          </p:spPr>
+          <p:style>
+            <a:lnRef idx="2">
+              <a:schemeClr val="accent1">
+                <a:shade val="50000"/>
+              </a:schemeClr>
+            </a:lnRef>
+            <a:fillRef idx="1">
+              <a:schemeClr val="accent1"/>
+            </a:fillRef>
+            <a:effectRef idx="0">
+              <a:schemeClr val="accent1"/>
+            </a:effectRef>
+            <a:fontRef idx="minor">
+              <a:schemeClr val="lt1"/>
+            </a:fontRef>
+          </p:style>
+          <p:txBody>
+            <a:bodyPr rot="0" spcFirstLastPara="0" vert="horz" wrap="square" lIns="91440" tIns="45720" rIns="91440" bIns="45720" numCol="1" spcCol="0" rtlCol="0" fromWordArt="0" anchor="ctr" anchorCtr="0" forceAA="0" compatLnSpc="1">
+              <a:prstTxWarp prst="textNoShape">
+                <a:avLst/>
+              </a:prstTxWarp>
+              <a:noAutofit/>
+            </a:bodyPr>
+            <a:lstStyle/>
+            <a:p>
+              <a:pPr algn="just" latinLnBrk="1">
+                <a:lnSpc>
+                  <a:spcPct val="107000"/>
+                </a:lnSpc>
+                <a:spcAft>
+                  <a:spcPts val="800"/>
+                </a:spcAft>
+              </a:pPr>
+              <a:r>
+                <a:rPr lang="en-US" sz="1000" kern="100">
+                  <a:effectLst/>
+                  <a:ea typeface="맑은 고딕" panose="020B0503020000020004" pitchFamily="50" charset="-127"/>
+                  <a:cs typeface="Times New Roman" panose="02020603050405020304" pitchFamily="18" charset="0"/>
+                </a:rPr>
+                <a:t> </a:t>
+              </a:r>
+              <a:endParaRPr lang="ko-KR" sz="1000" kern="100">
+                <a:effectLst/>
+                <a:ea typeface="맑은 고딕" panose="020B0503020000020004" pitchFamily="50" charset="-127"/>
+                <a:cs typeface="Times New Roman" panose="02020603050405020304" pitchFamily="18" charset="0"/>
+              </a:endParaRPr>
+            </a:p>
+          </p:txBody>
+        </p:sp>
+        <p:sp>
+          <p:nvSpPr>
+            <p:cNvPr id="65" name="모서리가 접힌 도형 64"/>
+            <p:cNvSpPr/>
+            <p:nvPr/>
+          </p:nvSpPr>
+          <p:spPr>
+            <a:xfrm flipV="1">
+              <a:off x="5998527" y="3322002"/>
+              <a:ext cx="194945" cy="213995"/>
+            </a:xfrm>
+            <a:prstGeom prst="foldedCorner">
+              <a:avLst>
+                <a:gd name="adj" fmla="val 48438"/>
+              </a:avLst>
+            </a:prstGeom>
+            <a:solidFill>
+              <a:schemeClr val="bg1"/>
+            </a:solidFill>
+            <a:ln>
+              <a:solidFill>
+                <a:schemeClr val="tx1"/>
+              </a:solidFill>
+            </a:ln>
+          </p:spPr>
+          <p:style>
+            <a:lnRef idx="2">
+              <a:schemeClr val="accent1">
+                <a:shade val="50000"/>
+              </a:schemeClr>
+            </a:lnRef>
+            <a:fillRef idx="1">
+              <a:schemeClr val="accent1"/>
+            </a:fillRef>
+            <a:effectRef idx="0">
+              <a:schemeClr val="accent1"/>
+            </a:effectRef>
+            <a:fontRef idx="minor">
+              <a:schemeClr val="lt1"/>
+            </a:fontRef>
+          </p:style>
+          <p:txBody>
+            <a:bodyPr rot="0" spcFirstLastPara="0" vert="horz" wrap="square" lIns="91440" tIns="45720" rIns="91440" bIns="45720" numCol="1" spcCol="0" rtlCol="0" fromWordArt="0" anchor="ctr" anchorCtr="0" forceAA="0" compatLnSpc="1">
+              <a:prstTxWarp prst="textNoShape">
+                <a:avLst/>
+              </a:prstTxWarp>
+              <a:noAutofit/>
+            </a:bodyPr>
+            <a:lstStyle/>
+            <a:p>
+              <a:pPr algn="just" latinLnBrk="1">
+                <a:lnSpc>
+                  <a:spcPct val="107000"/>
+                </a:lnSpc>
+                <a:spcAft>
+                  <a:spcPts val="800"/>
+                </a:spcAft>
+              </a:pPr>
+              <a:r>
+                <a:rPr lang="en-US" sz="1000" kern="100">
+                  <a:effectLst/>
+                  <a:ea typeface="맑은 고딕" panose="020B0503020000020004" pitchFamily="50" charset="-127"/>
+                  <a:cs typeface="Times New Roman" panose="02020603050405020304" pitchFamily="18" charset="0"/>
+                </a:rPr>
+                <a:t> </a:t>
+              </a:r>
+              <a:endParaRPr lang="ko-KR" sz="1000" kern="100">
+                <a:effectLst/>
+                <a:ea typeface="맑은 고딕" panose="020B0503020000020004" pitchFamily="50" charset="-127"/>
+                <a:cs typeface="Times New Roman" panose="02020603050405020304" pitchFamily="18" charset="0"/>
+              </a:endParaRPr>
+            </a:p>
+          </p:txBody>
+        </p:sp>
+        <p:cxnSp>
+          <p:nvCxnSpPr>
+            <p:cNvPr id="66" name="직선 연결선 65"/>
+            <p:cNvCxnSpPr/>
+            <p:nvPr/>
+          </p:nvCxnSpPr>
+          <p:spPr>
+            <a:xfrm>
+              <a:off x="6033452" y="3483292"/>
+              <a:ext cx="127635" cy="3810"/>
+            </a:xfrm>
+            <a:prstGeom prst="line">
+              <a:avLst/>
+            </a:prstGeom>
+            <a:ln w="19050">
+              <a:solidFill>
+                <a:schemeClr val="tx1"/>
+              </a:solidFill>
+            </a:ln>
+          </p:spPr>
+          <p:style>
+            <a:lnRef idx="1">
+              <a:schemeClr val="accent1"/>
+            </a:lnRef>
+            <a:fillRef idx="0">
+              <a:schemeClr val="accent1"/>
+            </a:fillRef>
+            <a:effectRef idx="0">
+              <a:schemeClr val="accent1"/>
+            </a:effectRef>
+            <a:fontRef idx="minor">
+              <a:schemeClr val="tx1"/>
+            </a:fontRef>
+          </p:style>
+        </p:cxnSp>
+        <p:cxnSp>
+          <p:nvCxnSpPr>
+            <p:cNvPr id="67" name="직선 연결선 66"/>
+            <p:cNvCxnSpPr/>
+            <p:nvPr/>
+          </p:nvCxnSpPr>
+          <p:spPr>
+            <a:xfrm>
+              <a:off x="6033452" y="3431222"/>
+              <a:ext cx="127635" cy="3810"/>
+            </a:xfrm>
+            <a:prstGeom prst="line">
+              <a:avLst/>
+            </a:prstGeom>
+            <a:ln w="19050">
+              <a:solidFill>
+                <a:schemeClr val="tx1"/>
+              </a:solidFill>
+            </a:ln>
+          </p:spPr>
+          <p:style>
+            <a:lnRef idx="1">
+              <a:schemeClr val="accent1"/>
+            </a:lnRef>
+            <a:fillRef idx="0">
+              <a:schemeClr val="accent1"/>
+            </a:fillRef>
+            <a:effectRef idx="0">
+              <a:schemeClr val="accent1"/>
+            </a:effectRef>
+            <a:fontRef idx="minor">
+              <a:schemeClr val="tx1"/>
+            </a:fontRef>
+          </p:style>
+        </p:cxnSp>
+        <p:cxnSp>
+          <p:nvCxnSpPr>
+            <p:cNvPr id="68" name="직선 연결선 67"/>
+            <p:cNvCxnSpPr/>
+            <p:nvPr/>
+          </p:nvCxnSpPr>
+          <p:spPr>
+            <a:xfrm>
+              <a:off x="6033452" y="3382962"/>
+              <a:ext cx="71120" cy="0"/>
+            </a:xfrm>
+            <a:prstGeom prst="line">
+              <a:avLst/>
+            </a:prstGeom>
+            <a:ln w="19050">
+              <a:solidFill>
+                <a:schemeClr val="tx1"/>
+              </a:solidFill>
+            </a:ln>
+          </p:spPr>
+          <p:style>
+            <a:lnRef idx="1">
+              <a:schemeClr val="accent1"/>
+            </a:lnRef>
+            <a:fillRef idx="0">
+              <a:schemeClr val="accent1"/>
+            </a:fillRef>
+            <a:effectRef idx="0">
+              <a:schemeClr val="accent1"/>
+            </a:effectRef>
+            <a:fontRef idx="minor">
+              <a:schemeClr val="tx1"/>
+            </a:fontRef>
+          </p:style>
+        </p:cxnSp>
+      </p:grpSp>
+      <p:sp>
+        <p:nvSpPr>
+          <p:cNvPr id="69" name="TextBox 68"/>
+          <p:cNvSpPr txBox="1"/>
+          <p:nvPr/>
+        </p:nvSpPr>
+        <p:spPr>
+          <a:xfrm>
+            <a:off x="231494" y="347241"/>
+            <a:ext cx="3192817" cy="369332"/>
+          </a:xfrm>
+          <a:prstGeom prst="rect">
+            <a:avLst/>
+          </a:prstGeom>
+          <a:noFill/>
+        </p:spPr>
+        <p:txBody>
+          <a:bodyPr wrap="square" rtlCol="0">
+            <a:spAutoFit/>
+          </a:bodyPr>
+          <a:lstStyle/>
+          <a:p>
+            <a:r>
+              <a:rPr lang="en-US" altLang="ko-KR" b="1" dirty="0" smtClean="0"/>
+              <a:t>Use Case 7 : </a:t>
+            </a:r>
+            <a:r>
+              <a:rPr lang="ko-KR" altLang="en-US" b="1" dirty="0" smtClean="0"/>
+              <a:t>음식점 등</a:t>
+            </a:r>
+            <a:r>
+              <a:rPr lang="ko-KR" altLang="en-US" b="1" dirty="0" smtClean="0"/>
+              <a:t>록</a:t>
+            </a:r>
+            <a:endParaRPr lang="ko-KR" altLang="en-US" b="1" dirty="0"/>
+          </a:p>
+        </p:txBody>
+      </p:sp>
     </p:spTree>
     <p:extLst>
       <p:ext uri="{BB962C8B-B14F-4D97-AF65-F5344CB8AC3E}">
@@ -29340,6 +30126,40 @@
           </a:p>
         </p:txBody>
       </p:sp>
+      <p:sp>
+        <p:nvSpPr>
+          <p:cNvPr id="70" name="TextBox 69"/>
+          <p:cNvSpPr txBox="1"/>
+          <p:nvPr/>
+        </p:nvSpPr>
+        <p:spPr>
+          <a:xfrm>
+            <a:off x="231494" y="347241"/>
+            <a:ext cx="3192817" cy="369332"/>
+          </a:xfrm>
+          <a:prstGeom prst="rect">
+            <a:avLst/>
+          </a:prstGeom>
+          <a:noFill/>
+        </p:spPr>
+        <p:txBody>
+          <a:bodyPr wrap="square" rtlCol="0">
+            <a:spAutoFit/>
+          </a:bodyPr>
+          <a:lstStyle/>
+          <a:p>
+            <a:r>
+              <a:rPr lang="en-US" altLang="ko-KR" b="1" dirty="0" smtClean="0"/>
+              <a:t>Use Case 8 : </a:t>
+            </a:r>
+            <a:r>
+              <a:rPr lang="ko-KR" altLang="en-US" b="1" dirty="0" smtClean="0"/>
+              <a:t>리뷰 관리</a:t>
+            </a:r>
+            <a:endParaRPr lang="ko-KR" altLang="en-US" b="1" dirty="0"/>
+          </a:p>
+        </p:txBody>
+      </p:sp>
     </p:spTree>
     <p:extLst>
       <p:ext uri="{BB962C8B-B14F-4D97-AF65-F5344CB8AC3E}">
@@ -31764,6 +32584,44 @@
           <a:p>
             <a:pPr algn="ctr"/>
             <a:endParaRPr lang="ko-KR" altLang="en-US"/>
+          </a:p>
+        </p:txBody>
+      </p:sp>
+      <p:sp>
+        <p:nvSpPr>
+          <p:cNvPr id="57" name="TextBox 56"/>
+          <p:cNvSpPr txBox="1"/>
+          <p:nvPr/>
+        </p:nvSpPr>
+        <p:spPr>
+          <a:xfrm>
+            <a:off x="231494" y="347241"/>
+            <a:ext cx="4051139" cy="368347"/>
+          </a:xfrm>
+          <a:prstGeom prst="rect">
+            <a:avLst/>
+          </a:prstGeom>
+          <a:noFill/>
+        </p:spPr>
+        <p:txBody>
+          <a:bodyPr wrap="square" rtlCol="0">
+            <a:spAutoFit/>
+          </a:bodyPr>
+          <a:lstStyle/>
+          <a:p>
+            <a:r>
+              <a:rPr lang="en-US" altLang="ko-KR" b="1" dirty="0" smtClean="0"/>
+              <a:t>Use Case 9 :</a:t>
+            </a:r>
+            <a:r>
+              <a:rPr lang="ko-KR" altLang="en-US" b="1" dirty="0"/>
+              <a:t> </a:t>
+            </a:r>
+            <a:r>
+              <a:rPr lang="ko-KR" altLang="en-US" b="1" dirty="0" smtClean="0"/>
+              <a:t>등록된 유저 정보 관리</a:t>
+            </a:r>
+            <a:endParaRPr lang="ko-KR" altLang="en-US" b="1" dirty="0"/>
           </a:p>
         </p:txBody>
       </p:sp>
